--- a/keystone-moon/doc/source/extensions/moon/ExceptionHierarchy-v0.2.pptx
+++ b/keystone-moon/doc/source/extensions/moon/ExceptionHierarchy-v0.2.pptx
@@ -1856,49 +1856,13 @@
       </p:cxnSp>
       <p:sp>
         <p:nvSpPr>
-          <p:cNvPr id="46" name="TextShape 8"/>
-          <p:cNvSpPr txBox="1"/>
-          <p:nvPr/>
-        </p:nvSpPr>
-        <p:spPr>
-          <a:xfrm>
-            <a:off x="3898800" y="1248480"/>
-            <a:ext cx="1396440" cy="262440"/>
-          </a:xfrm>
-          <a:prstGeom prst="rect">
-            <a:avLst/>
-          </a:prstGeom>
-          <a:noFill/>
-          <a:ln>
-            <a:noFill/>
-          </a:ln>
-        </p:spPr>
-        <p:txBody>
-          <a:bodyPr lIns="90000" tIns="45000" rIns="90000" bIns="45000"/>
-          <a:lstStyle/>
-          <a:p>
-            <a:r>
-              <a:rPr lang="en-GB" sz="1200" dirty="0" err="1" smtClean="0">
-                <a:solidFill>
-                  <a:srgbClr val="FF6600"/>
-                </a:solidFill>
-                <a:latin typeface="Arial"/>
-              </a:rPr>
-              <a:t>TenantDictEmpty</a:t>
-            </a:r>
-            <a:endParaRPr dirty="0"/>
-          </a:p>
-        </p:txBody>
-      </p:sp>
-      <p:sp>
-        <p:nvSpPr>
           <p:cNvPr id="47" name="TextShape 9"/>
           <p:cNvSpPr txBox="1"/>
           <p:nvPr/>
         </p:nvSpPr>
         <p:spPr>
           <a:xfrm>
-            <a:off x="3872520" y="1753560"/>
+            <a:off x="3785220" y="1131157"/>
             <a:ext cx="1311480" cy="262440"/>
           </a:xfrm>
           <a:prstGeom prst="rect">
@@ -1985,49 +1949,13 @@
       </p:cxnSp>
       <p:sp>
         <p:nvSpPr>
-          <p:cNvPr id="50" name="TextShape 12"/>
-          <p:cNvSpPr txBox="1"/>
-          <p:nvPr/>
-        </p:nvSpPr>
-        <p:spPr>
-          <a:xfrm>
-            <a:off x="6212880" y="1969920"/>
-            <a:ext cx="1907280" cy="262440"/>
-          </a:xfrm>
-          <a:prstGeom prst="rect">
-            <a:avLst/>
-          </a:prstGeom>
-          <a:noFill/>
-          <a:ln>
-            <a:noFill/>
-          </a:ln>
-        </p:spPr>
-        <p:txBody>
-          <a:bodyPr lIns="90000" tIns="45000" rIns="90000" bIns="45000"/>
-          <a:lstStyle/>
-          <a:p>
-            <a:r>
-              <a:rPr lang="en-GB" sz="1200">
-                <a:solidFill>
-                  <a:srgbClr val="FF6600"/>
-                </a:solidFill>
-                <a:latin typeface="Arial"/>
-              </a:rPr>
-              <a:t>IntraExtensionUnMapped</a:t>
-            </a:r>
-            <a:endParaRPr/>
-          </a:p>
-        </p:txBody>
-      </p:sp>
-      <p:sp>
-        <p:nvSpPr>
           <p:cNvPr id="51" name="TextShape 13"/>
           <p:cNvSpPr txBox="1"/>
           <p:nvPr/>
         </p:nvSpPr>
         <p:spPr>
           <a:xfrm>
-            <a:off x="6212880" y="2221920"/>
+            <a:off x="6230340" y="1582192"/>
             <a:ext cx="2075400" cy="262440"/>
           </a:xfrm>
           <a:prstGeom prst="rect">
@@ -2063,7 +1991,7 @@
         </p:nvSpPr>
         <p:spPr>
           <a:xfrm>
-            <a:off x="6213240" y="2510280"/>
+            <a:off x="6256080" y="1838585"/>
             <a:ext cx="2075040" cy="262440"/>
           </a:xfrm>
           <a:prstGeom prst="rect">
@@ -2079,7 +2007,7 @@
           <a:lstStyle/>
           <a:p>
             <a:r>
-              <a:rPr lang="en-GB" sz="1200">
+              <a:rPr lang="en-GB" sz="1200" dirty="0" err="1">
                 <a:solidFill>
                   <a:srgbClr val="FF3333"/>
                 </a:solidFill>
@@ -2087,7 +2015,7 @@
               </a:rPr>
               <a:t>IntraExtensionCreationError</a:t>
             </a:r>
-            <a:endParaRPr/>
+            <a:endParaRPr dirty="0"/>
           </a:p>
         </p:txBody>
       </p:sp>
@@ -2198,8 +2126,8 @@
         </p:nvSpPr>
         <p:spPr>
           <a:xfrm>
-            <a:off x="6462000" y="2972487"/>
-            <a:ext cx="1890720" cy="346320"/>
+            <a:off x="6158902" y="2425680"/>
+            <a:ext cx="1890720" cy="202029"/>
           </a:xfrm>
           <a:prstGeom prst="rect">
             <a:avLst/>
@@ -2477,8 +2405,8 @@
         </p:nvCxnSpPr>
         <p:spPr>
           <a:xfrm flipV="1">
-            <a:off x="4368960" y="3145647"/>
-            <a:ext cx="2093040" cy="252033"/>
+            <a:off x="4368960" y="2526695"/>
+            <a:ext cx="1789942" cy="870985"/>
           </a:xfrm>
           <a:prstGeom prst="straightConnector1">
             <a:avLst/>
@@ -2708,30 +2636,6 @@
       </p:cxnSp>
       <p:cxnSp>
         <p:nvCxnSpPr>
-          <p:cNvPr id="73" name="Line 35"/>
-          <p:cNvCxnSpPr>
-            <a:stCxn id="40" idx="3"/>
-            <a:endCxn id="46" idx="1"/>
-          </p:cNvCxnSpPr>
-          <p:nvPr/>
-        </p:nvCxnSpPr>
-        <p:spPr>
-          <a:xfrm flipV="1">
-            <a:off x="2838240" y="1379700"/>
-            <a:ext cx="1060560" cy="809460"/>
-          </a:xfrm>
-          <a:prstGeom prst="straightConnector1">
-            <a:avLst/>
-          </a:prstGeom>
-          <a:ln>
-            <a:solidFill>
-              <a:srgbClr val="3465A4"/>
-            </a:solidFill>
-          </a:ln>
-        </p:spPr>
-      </p:cxnSp>
-      <p:cxnSp>
-        <p:nvCxnSpPr>
           <p:cNvPr id="74" name="Line 36"/>
           <p:cNvCxnSpPr>
             <a:stCxn id="40" idx="3"/>
@@ -2741,32 +2645,8 @@
         </p:nvCxnSpPr>
         <p:spPr>
           <a:xfrm flipV="1">
-            <a:off x="2838240" y="1884600"/>
-            <a:ext cx="1034640" cy="304920"/>
-          </a:xfrm>
-          <a:prstGeom prst="straightConnector1">
-            <a:avLst/>
-          </a:prstGeom>
-          <a:ln>
-            <a:solidFill>
-              <a:srgbClr val="3465A4"/>
-            </a:solidFill>
-          </a:ln>
-        </p:spPr>
-      </p:cxnSp>
-      <p:cxnSp>
-        <p:nvCxnSpPr>
-          <p:cNvPr id="75" name="Line 37"/>
-          <p:cNvCxnSpPr>
-            <a:stCxn id="48" idx="3"/>
-            <a:endCxn id="50" idx="1"/>
-          </p:cNvCxnSpPr>
-          <p:nvPr/>
-        </p:nvCxnSpPr>
-        <p:spPr>
-          <a:xfrm flipV="1">
-            <a:off x="3612600" y="2100960"/>
-            <a:ext cx="2600640" cy="498240"/>
+            <a:off x="2838240" y="1262377"/>
+            <a:ext cx="946980" cy="926783"/>
           </a:xfrm>
           <a:prstGeom prst="straightConnector1">
             <a:avLst/>
@@ -2789,8 +2669,8 @@
         </p:nvCxnSpPr>
         <p:spPr>
           <a:xfrm flipV="1">
-            <a:off x="3612600" y="2353140"/>
-            <a:ext cx="2600280" cy="245700"/>
+            <a:off x="3612600" y="1713412"/>
+            <a:ext cx="2617740" cy="885428"/>
           </a:xfrm>
           <a:prstGeom prst="straightConnector1">
             <a:avLst/>
@@ -2812,9 +2692,9 @@
           <p:nvPr/>
         </p:nvCxnSpPr>
         <p:spPr>
-          <a:xfrm>
-            <a:off x="3612600" y="2598840"/>
-            <a:ext cx="2601000" cy="42840"/>
+          <a:xfrm flipV="1">
+            <a:off x="3612600" y="1969805"/>
+            <a:ext cx="2643480" cy="629035"/>
           </a:xfrm>
           <a:prstGeom prst="straightConnector1">
             <a:avLst/>
@@ -3882,7 +3762,7 @@
         </p:nvSpPr>
         <p:spPr>
           <a:xfrm>
-            <a:off x="5380042" y="1429165"/>
+            <a:off x="3795866" y="1331565"/>
             <a:ext cx="2027318" cy="262440"/>
           </a:xfrm>
           <a:prstGeom prst="rect">
@@ -3920,8 +3800,8 @@
         </p:nvCxnSpPr>
         <p:spPr>
           <a:xfrm flipV="1">
-            <a:off x="2838240" y="1560385"/>
-            <a:ext cx="2541802" cy="628775"/>
+            <a:off x="2838240" y="1462785"/>
+            <a:ext cx="957626" cy="726375"/>
           </a:xfrm>
           <a:prstGeom prst="straightConnector1">
             <a:avLst/>
@@ -3941,7 +3821,7 @@
         </p:nvSpPr>
         <p:spPr>
           <a:xfrm>
-            <a:off x="5533274" y="1645189"/>
+            <a:off x="3805082" y="1547589"/>
             <a:ext cx="2027318" cy="262440"/>
           </a:xfrm>
           <a:prstGeom prst="rect">
@@ -3980,8 +3860,8 @@
         </p:nvCxnSpPr>
         <p:spPr>
           <a:xfrm flipV="1">
-            <a:off x="2838240" y="1776409"/>
-            <a:ext cx="2695034" cy="412751"/>
+            <a:off x="2838240" y="1678809"/>
+            <a:ext cx="966842" cy="510351"/>
           </a:xfrm>
           <a:prstGeom prst="straightConnector1">
             <a:avLst/>
@@ -4139,7 +4019,7 @@
         </p:nvSpPr>
         <p:spPr>
           <a:xfrm>
-            <a:off x="6533968" y="2785445"/>
+            <a:off x="6120000" y="2189520"/>
             <a:ext cx="1890720" cy="346320"/>
           </a:xfrm>
           <a:prstGeom prst="rect">
@@ -4187,8 +4067,8 @@
         </p:nvCxnSpPr>
         <p:spPr>
           <a:xfrm flipV="1">
-            <a:off x="4368960" y="2958605"/>
-            <a:ext cx="2165008" cy="439075"/>
+            <a:off x="4368960" y="2362680"/>
+            <a:ext cx="1751040" cy="1035000"/>
           </a:xfrm>
           <a:prstGeom prst="straightConnector1">
             <a:avLst/>
@@ -4277,7 +4157,7 @@
         </p:nvSpPr>
         <p:spPr>
           <a:xfrm>
-            <a:off x="9258691" y="3628440"/>
+            <a:off x="9258691" y="3419797"/>
             <a:ext cx="2259544" cy="346320"/>
           </a:xfrm>
           <a:prstGeom prst="rect">
@@ -4324,9 +4204,9 @@
           <p:nvPr/>
         </p:nvCxnSpPr>
         <p:spPr>
-          <a:xfrm>
-            <a:off x="4368960" y="3600000"/>
-            <a:ext cx="4889731" cy="201600"/>
+          <a:xfrm flipV="1">
+            <a:off x="4368960" y="3592957"/>
+            <a:ext cx="4889731" cy="7043"/>
           </a:xfrm>
           <a:prstGeom prst="straightConnector1">
             <a:avLst/>
@@ -4466,49 +4346,13 @@
       </p:cxnSp>
       <p:sp>
         <p:nvSpPr>
-          <p:cNvPr id="124" name="TextShape 20"/>
-          <p:cNvSpPr txBox="1"/>
-          <p:nvPr/>
-        </p:nvSpPr>
-        <p:spPr>
-          <a:xfrm>
-            <a:off x="8207616" y="4337640"/>
-            <a:ext cx="2592768" cy="290160"/>
-          </a:xfrm>
-          <a:prstGeom prst="rect">
-            <a:avLst/>
-          </a:prstGeom>
-          <a:noFill/>
-          <a:ln>
-            <a:noFill/>
-          </a:ln>
-        </p:spPr>
-        <p:txBody>
-          <a:bodyPr lIns="90000" tIns="45000" rIns="90000" bIns="45000"/>
-          <a:lstStyle/>
-          <a:p>
-            <a:r>
-              <a:rPr lang="en-GB" sz="1200" dirty="0" err="1" smtClean="0">
-                <a:solidFill>
-                  <a:srgbClr val="FF3333"/>
-                </a:solidFill>
-                <a:latin typeface="Arial"/>
-              </a:rPr>
-              <a:t>AggregationAlgorithmExisting</a:t>
-            </a:r>
-            <a:endParaRPr dirty="0"/>
-          </a:p>
-        </p:txBody>
-      </p:sp>
-      <p:sp>
-        <p:nvSpPr>
           <p:cNvPr id="125" name="TextShape 20"/>
           <p:cNvSpPr txBox="1"/>
           <p:nvPr/>
         </p:nvSpPr>
         <p:spPr>
           <a:xfrm>
-            <a:off x="8208664" y="4499917"/>
+            <a:off x="8208664" y="4427909"/>
             <a:ext cx="2592768" cy="290160"/>
           </a:xfrm>
           <a:prstGeom prst="rect">
@@ -4572,27 +4416,6 @@
           </a:p>
         </p:txBody>
       </p:sp>
-      <p:cxnSp>
-        <p:nvCxnSpPr>
-          <p:cNvPr id="127" name="Line 27"/>
-          <p:cNvCxnSpPr/>
-          <p:nvPr/>
-        </p:nvCxnSpPr>
-        <p:spPr>
-          <a:xfrm flipV="1">
-            <a:off x="4109141" y="4499917"/>
-            <a:ext cx="4151779" cy="114872"/>
-          </a:xfrm>
-          <a:prstGeom prst="straightConnector1">
-            <a:avLst/>
-          </a:prstGeom>
-          <a:ln>
-            <a:solidFill>
-              <a:srgbClr val="3465A4"/>
-            </a:solidFill>
-          </a:ln>
-        </p:spPr>
-      </p:cxnSp>
       <p:cxnSp>
         <p:nvCxnSpPr>
           <p:cNvPr id="128" name="Line 27"/>
@@ -4603,7 +4426,7 @@
         </p:nvCxnSpPr>
         <p:spPr>
           <a:xfrm>
-            <a:off x="4109141" y="4627800"/>
+            <a:off x="4109141" y="4555792"/>
             <a:ext cx="4099523" cy="17197"/>
           </a:xfrm>
           <a:prstGeom prst="straightConnector1">
@@ -4843,7 +4666,7 @@
           <a:lstStyle/>
           <a:p>
             <a:r>
-              <a:rPr lang="en-GB" sz="1200" smtClean="0">
+              <a:rPr lang="en-GB" sz="1200" dirty="0" err="1" smtClean="0">
                 <a:solidFill>
                   <a:srgbClr val="FF3333"/>
                 </a:solidFill>

--- a/keystone-moon/doc/source/extensions/moon/ExceptionHierarchy-v0.2.pptx
+++ b/keystone-moon/doc/source/extensions/moon/ExceptionHierarchy-v0.2.pptx
@@ -1659,7 +1659,7 @@
         <p:spPr>
           <a:xfrm>
             <a:off x="144000" y="1368000"/>
-            <a:ext cx="1258200" cy="346320"/>
+            <a:ext cx="1367920" cy="346320"/>
           </a:xfrm>
           <a:prstGeom prst="rect">
             <a:avLst/>
@@ -1674,12 +1674,12 @@
           <a:lstStyle/>
           <a:p>
             <a:r>
-              <a:rPr lang="en-GB">
+              <a:rPr lang="en-GB" dirty="0" err="1">
                 <a:latin typeface="Arial"/>
               </a:rPr>
               <a:t>MoonError</a:t>
             </a:r>
-            <a:endParaRPr/>
+            <a:endParaRPr dirty="0"/>
           </a:p>
         </p:txBody>
       </p:sp>
@@ -1691,8 +1691,8 @@
         </p:nvSpPr>
         <p:spPr>
           <a:xfrm>
-            <a:off x="972000" y="2016000"/>
-            <a:ext cx="1866240" cy="346320"/>
+            <a:off x="972000" y="1907629"/>
+            <a:ext cx="1908072" cy="346320"/>
           </a:xfrm>
           <a:prstGeom prst="rect">
             <a:avLst/>
@@ -1707,12 +1707,12 @@
           <a:lstStyle/>
           <a:p>
             <a:r>
-              <a:rPr lang="en-GB">
+              <a:rPr lang="en-GB" dirty="0" err="1">
                 <a:latin typeface="Arial"/>
               </a:rPr>
               <a:t>TenantException</a:t>
             </a:r>
-            <a:endParaRPr/>
+            <a:endParaRPr dirty="0"/>
           </a:p>
         </p:txBody>
       </p:sp>
@@ -1725,7 +1725,7 @@
         <p:spPr>
           <a:xfrm>
             <a:off x="972000" y="3829680"/>
-            <a:ext cx="1765800" cy="346320"/>
+            <a:ext cx="1866240" cy="346320"/>
           </a:xfrm>
           <a:prstGeom prst="rect">
             <a:avLst/>
@@ -1740,12 +1740,12 @@
           <a:lstStyle/>
           <a:p>
             <a:r>
-              <a:rPr lang="en-GB">
+              <a:rPr lang="en-GB" dirty="0" err="1" smtClean="0">
                 <a:latin typeface="Arial"/>
               </a:rPr>
-              <a:t>AuthzException</a:t>
-            </a:r>
-            <a:endParaRPr/>
+              <a:t>AdminException</a:t>
+            </a:r>
+            <a:endParaRPr dirty="0"/>
           </a:p>
         </p:txBody>
       </p:sp>
@@ -1758,7 +1758,7 @@
         <p:spPr>
           <a:xfrm>
             <a:off x="972000" y="5112000"/>
-            <a:ext cx="1828080" cy="346320"/>
+            <a:ext cx="1980080" cy="346320"/>
           </a:xfrm>
           <a:prstGeom prst="rect">
             <a:avLst/>
@@ -1773,12 +1773,12 @@
           <a:lstStyle/>
           <a:p>
             <a:r>
-              <a:rPr lang="en-GB">
+              <a:rPr lang="en-GB" dirty="0" err="1" smtClean="0">
                 <a:latin typeface="Arial"/>
               </a:rPr>
-              <a:t>AdminException</a:t>
-            </a:r>
-            <a:endParaRPr/>
+              <a:t>AuthzException</a:t>
+            </a:r>
+            <a:endParaRPr dirty="0"/>
           </a:p>
         </p:txBody>
       </p:sp>
@@ -1792,11 +1792,11 @@
           <p:nvPr/>
         </p:nvCxnSpPr>
         <p:spPr>
-          <a:xfrm>
-            <a:off x="772920" y="1714320"/>
-            <a:ext cx="199440" cy="475200"/>
-          </a:xfrm>
-          <a:prstGeom prst="bentConnector3">
+          <a:xfrm rot="16200000" flipH="1">
+            <a:off x="716746" y="1825534"/>
+            <a:ext cx="366469" cy="144040"/>
+          </a:xfrm>
+          <a:prstGeom prst="bentConnector2">
             <a:avLst/>
           </a:prstGeom>
           <a:ln>
@@ -1816,11 +1816,11 @@
           <p:nvPr/>
         </p:nvCxnSpPr>
         <p:spPr>
-          <a:xfrm>
-            <a:off x="772920" y="1714320"/>
-            <a:ext cx="199440" cy="2288880"/>
-          </a:xfrm>
-          <a:prstGeom prst="bentConnector3">
+          <a:xfrm rot="16200000" flipH="1">
+            <a:off x="-244280" y="2786560"/>
+            <a:ext cx="2288520" cy="144040"/>
+          </a:xfrm>
+          <a:prstGeom prst="bentConnector2">
             <a:avLst/>
           </a:prstGeom>
           <a:ln>
@@ -1840,11 +1840,11 @@
           <p:nvPr/>
         </p:nvCxnSpPr>
         <p:spPr>
-          <a:xfrm>
-            <a:off x="772920" y="1714320"/>
-            <a:ext cx="199440" cy="3571200"/>
-          </a:xfrm>
-          <a:prstGeom prst="bentConnector3">
+          <a:xfrm rot="16200000" flipH="1">
+            <a:off x="-885440" y="3427720"/>
+            <a:ext cx="3570840" cy="144040"/>
+          </a:xfrm>
+          <a:prstGeom prst="bentConnector2">
             <a:avLst/>
           </a:prstGeom>
           <a:ln>
@@ -1898,8 +1898,8 @@
         </p:nvSpPr>
         <p:spPr>
           <a:xfrm>
-            <a:off x="972000" y="2425680"/>
-            <a:ext cx="2640600" cy="346320"/>
+            <a:off x="972000" y="2497413"/>
+            <a:ext cx="2700160" cy="346320"/>
           </a:xfrm>
           <a:prstGeom prst="rect">
             <a:avLst/>
@@ -1914,12 +1914,12 @@
           <a:lstStyle/>
           <a:p>
             <a:r>
-              <a:rPr lang="en-GB">
+              <a:rPr lang="en-GB" dirty="0" err="1">
                 <a:latin typeface="Arial"/>
               </a:rPr>
               <a:t>IntraExtensionException</a:t>
             </a:r>
-            <a:endParaRPr/>
+            <a:endParaRPr dirty="0"/>
           </a:p>
         </p:txBody>
       </p:sp>
@@ -1933,11 +1933,11 @@
           <p:nvPr/>
         </p:nvCxnSpPr>
         <p:spPr>
-          <a:xfrm>
-            <a:off x="772920" y="1714320"/>
-            <a:ext cx="199440" cy="884880"/>
-          </a:xfrm>
-          <a:prstGeom prst="bentConnector3">
+          <a:xfrm rot="16200000" flipH="1">
+            <a:off x="421854" y="2120426"/>
+            <a:ext cx="956253" cy="144040"/>
+          </a:xfrm>
+          <a:prstGeom prst="bentConnector2">
             <a:avLst/>
           </a:prstGeom>
           <a:ln>
@@ -1955,7 +1955,7 @@
         </p:nvSpPr>
         <p:spPr>
           <a:xfrm>
-            <a:off x="6230340" y="1582192"/>
+            <a:off x="5976416" y="1582192"/>
             <a:ext cx="2075400" cy="262440"/>
           </a:xfrm>
           <a:prstGeom prst="rect">
@@ -1991,7 +1991,7 @@
         </p:nvSpPr>
         <p:spPr>
           <a:xfrm>
-            <a:off x="6256080" y="1838585"/>
+            <a:off x="6010524" y="1763613"/>
             <a:ext cx="2075040" cy="262440"/>
           </a:xfrm>
           <a:prstGeom prst="rect">
@@ -2027,7 +2027,7 @@
         </p:nvSpPr>
         <p:spPr>
           <a:xfrm>
-            <a:off x="3284640" y="3224520"/>
+            <a:off x="3284640" y="3433517"/>
             <a:ext cx="1084320" cy="346320"/>
           </a:xfrm>
           <a:prstGeom prst="rect">
@@ -2060,8 +2060,8 @@
         </p:nvSpPr>
         <p:spPr>
           <a:xfrm>
-            <a:off x="3284640" y="3426840"/>
-            <a:ext cx="1084320" cy="346320"/>
+            <a:off x="3307920" y="3721549"/>
+            <a:ext cx="1084320" cy="299233"/>
           </a:xfrm>
           <a:prstGeom prst="rect">
             <a:avLst/>
@@ -2076,12 +2076,12 @@
           <a:lstStyle/>
           <a:p>
             <a:r>
-              <a:rPr lang="en-GB" sz="1400">
+              <a:rPr lang="en-GB" sz="1400" dirty="0">
                 <a:latin typeface="Arial"/>
               </a:rPr>
               <a:t>Scope</a:t>
             </a:r>
-            <a:endParaRPr/>
+            <a:endParaRPr dirty="0"/>
           </a:p>
         </p:txBody>
       </p:sp>
@@ -2093,7 +2093,7 @@
         </p:nvSpPr>
         <p:spPr>
           <a:xfrm>
-            <a:off x="3284640" y="3944520"/>
+            <a:off x="3278760" y="4009581"/>
             <a:ext cx="1113480" cy="346320"/>
           </a:xfrm>
           <a:prstGeom prst="rect">
@@ -2109,12 +2109,12 @@
           <a:lstStyle/>
           <a:p>
             <a:r>
-              <a:rPr lang="en-GB" sz="1400">
+              <a:rPr lang="en-GB" sz="1400" dirty="0">
                 <a:latin typeface="Arial"/>
               </a:rPr>
               <a:t>Assignment</a:t>
             </a:r>
-            <a:endParaRPr/>
+            <a:endParaRPr dirty="0"/>
           </a:p>
         </p:txBody>
       </p:sp>
@@ -2126,7 +2126,7 @@
         </p:nvSpPr>
         <p:spPr>
           <a:xfrm>
-            <a:off x="6158902" y="2425680"/>
+            <a:off x="5597864" y="2641704"/>
             <a:ext cx="1890720" cy="202029"/>
           </a:xfrm>
           <a:prstGeom prst="rect">
@@ -2158,51 +2158,6 @@
                 <a:latin typeface="Arial"/>
               </a:rPr>
               <a:t>Unknown</a:t>
-            </a:r>
-            <a:endParaRPr dirty="0"/>
-          </a:p>
-        </p:txBody>
-      </p:sp>
-      <p:sp>
-        <p:nvSpPr>
-          <p:cNvPr id="57" name="TextShape 19"/>
-          <p:cNvSpPr txBox="1"/>
-          <p:nvPr/>
-        </p:nvSpPr>
-        <p:spPr>
-          <a:xfrm>
-            <a:off x="6552000" y="3237480"/>
-            <a:ext cx="3417840" cy="290160"/>
-          </a:xfrm>
-          <a:prstGeom prst="rect">
-            <a:avLst/>
-          </a:prstGeom>
-          <a:noFill/>
-          <a:ln>
-            <a:noFill/>
-          </a:ln>
-        </p:spPr>
-        <p:txBody>
-          <a:bodyPr lIns="90000" tIns="45000" rIns="90000" bIns="45000"/>
-          <a:lstStyle/>
-          <a:p>
-            <a:r>
-              <a:rPr lang="en-GB" sz="1200" dirty="0" err="1" smtClean="0">
-                <a:solidFill>
-                  <a:srgbClr val="FF6600"/>
-                </a:solidFill>
-                <a:latin typeface="Courier New"/>
-              </a:rPr>
-              <a:t>Item</a:t>
-            </a:r>
-            <a:r>
-              <a:rPr lang="en-GB" sz="1200" dirty="0" err="1" smtClean="0">
-                <a:solidFill>
-                  <a:srgbClr val="FF6600"/>
-                </a:solidFill>
-                <a:latin typeface="Arial"/>
-              </a:rPr>
-              <a:t>AssignmentOutOfScope</a:t>
             </a:r>
             <a:endParaRPr dirty="0"/>
           </a:p>
@@ -2216,7 +2171,7 @@
         </p:nvSpPr>
         <p:spPr>
           <a:xfrm>
-            <a:off x="6552000" y="3489480"/>
+            <a:off x="6135704" y="3561685"/>
             <a:ext cx="2592768" cy="290160"/>
           </a:xfrm>
           <a:prstGeom prst="rect">
@@ -2261,7 +2216,7 @@
         </p:nvSpPr>
         <p:spPr>
           <a:xfrm>
-            <a:off x="3284640" y="4182840"/>
+            <a:off x="3312120" y="4585645"/>
             <a:ext cx="1107360" cy="346320"/>
           </a:xfrm>
           <a:prstGeom prst="rect">
@@ -2288,85 +2243,13 @@
       </p:sp>
       <p:sp>
         <p:nvSpPr>
-          <p:cNvPr id="60" name="TextShape 22"/>
-          <p:cNvSpPr txBox="1"/>
-          <p:nvPr/>
-        </p:nvSpPr>
-        <p:spPr>
-          <a:xfrm>
-            <a:off x="6552000" y="3741840"/>
-            <a:ext cx="1710720" cy="290160"/>
-          </a:xfrm>
-          <a:prstGeom prst="rect">
-            <a:avLst/>
-          </a:prstGeom>
-          <a:noFill/>
-          <a:ln>
-            <a:noFill/>
-          </a:ln>
-        </p:spPr>
-        <p:txBody>
-          <a:bodyPr lIns="90000" tIns="45000" rIns="90000" bIns="45000"/>
-          <a:lstStyle/>
-          <a:p>
-            <a:r>
-              <a:rPr lang="en-GB" sz="1200" dirty="0" err="1">
-                <a:solidFill>
-                  <a:srgbClr val="FF6600"/>
-                </a:solidFill>
-                <a:latin typeface="Arial"/>
-              </a:rPr>
-              <a:t>RuleOKNotExisting</a:t>
-            </a:r>
-            <a:endParaRPr dirty="0"/>
-          </a:p>
-        </p:txBody>
-      </p:sp>
-      <p:sp>
-        <p:nvSpPr>
-          <p:cNvPr id="61" name="TextShape 23"/>
-          <p:cNvSpPr txBox="1"/>
-          <p:nvPr/>
-        </p:nvSpPr>
-        <p:spPr>
-          <a:xfrm>
-            <a:off x="6552000" y="3957840"/>
-            <a:ext cx="1432080" cy="290160"/>
-          </a:xfrm>
-          <a:prstGeom prst="rect">
-            <a:avLst/>
-          </a:prstGeom>
-          <a:noFill/>
-          <a:ln>
-            <a:noFill/>
-          </a:ln>
-        </p:spPr>
-        <p:txBody>
-          <a:bodyPr lIns="90000" tIns="45000" rIns="90000" bIns="45000"/>
-          <a:lstStyle/>
-          <a:p>
-            <a:r>
-              <a:rPr lang="en-GB" sz="1200" dirty="0" err="1">
-                <a:solidFill>
-                  <a:srgbClr val="FF3333"/>
-                </a:solidFill>
-                <a:latin typeface="Arial"/>
-              </a:rPr>
-              <a:t>RuleKOExisting</a:t>
-            </a:r>
-            <a:endParaRPr dirty="0"/>
-          </a:p>
-        </p:txBody>
-      </p:sp>
-      <p:sp>
-        <p:nvSpPr>
           <p:cNvPr id="62" name="TextShape 24"/>
           <p:cNvSpPr txBox="1"/>
           <p:nvPr/>
         </p:nvSpPr>
         <p:spPr>
           <a:xfrm>
-            <a:off x="6552000" y="4173840"/>
+            <a:off x="6192440" y="5577909"/>
             <a:ext cx="1293120" cy="290160"/>
           </a:xfrm>
           <a:prstGeom prst="rect">
@@ -2382,7 +2265,7 @@
           <a:lstStyle/>
           <a:p>
             <a:r>
-              <a:rPr lang="en-GB" sz="1200">
+              <a:rPr lang="en-GB" sz="1200" dirty="0" err="1">
                 <a:solidFill>
                   <a:srgbClr val="FF3333"/>
                 </a:solidFill>
@@ -2390,7 +2273,7 @@
               </a:rPr>
               <a:t>RuleUnknown</a:t>
             </a:r>
-            <a:endParaRPr/>
+            <a:endParaRPr dirty="0"/>
           </a:p>
         </p:txBody>
       </p:sp>
@@ -2405,32 +2288,8 @@
         </p:nvCxnSpPr>
         <p:spPr>
           <a:xfrm flipV="1">
-            <a:off x="4368960" y="2526695"/>
-            <a:ext cx="1789942" cy="870985"/>
-          </a:xfrm>
-          <a:prstGeom prst="straightConnector1">
-            <a:avLst/>
-          </a:prstGeom>
-          <a:ln>
-            <a:solidFill>
-              <a:srgbClr val="3465A4"/>
-            </a:solidFill>
-          </a:ln>
-        </p:spPr>
-      </p:cxnSp>
-      <p:cxnSp>
-        <p:nvCxnSpPr>
-          <p:cNvPr id="64" name="Line 26"/>
-          <p:cNvCxnSpPr>
-            <a:stCxn id="54" idx="3"/>
-            <a:endCxn id="57" idx="1"/>
-          </p:cNvCxnSpPr>
-          <p:nvPr/>
-        </p:nvCxnSpPr>
-        <p:spPr>
-          <a:xfrm flipV="1">
-            <a:off x="4368960" y="3382560"/>
-            <a:ext cx="2183400" cy="217800"/>
+            <a:off x="4368960" y="2742719"/>
+            <a:ext cx="1228904" cy="863958"/>
           </a:xfrm>
           <a:prstGeom prst="straightConnector1">
             <a:avLst/>
@@ -2453,56 +2312,8 @@
         </p:nvCxnSpPr>
         <p:spPr>
           <a:xfrm flipV="1">
-            <a:off x="4398120" y="3634560"/>
-            <a:ext cx="2153880" cy="483120"/>
-          </a:xfrm>
-          <a:prstGeom prst="straightConnector1">
-            <a:avLst/>
-          </a:prstGeom>
-          <a:ln>
-            <a:solidFill>
-              <a:srgbClr val="3465A4"/>
-            </a:solidFill>
-          </a:ln>
-        </p:spPr>
-      </p:cxnSp>
-      <p:cxnSp>
-        <p:nvCxnSpPr>
-          <p:cNvPr id="66" name="Line 28"/>
-          <p:cNvCxnSpPr>
-            <a:stCxn id="59" idx="3"/>
-            <a:endCxn id="60" idx="1"/>
-          </p:cNvCxnSpPr>
-          <p:nvPr/>
-        </p:nvCxnSpPr>
-        <p:spPr>
-          <a:xfrm flipV="1">
-            <a:off x="4392000" y="3886920"/>
-            <a:ext cx="2160360" cy="469440"/>
-          </a:xfrm>
-          <a:prstGeom prst="straightConnector1">
-            <a:avLst/>
-          </a:prstGeom>
-          <a:ln>
-            <a:solidFill>
-              <a:srgbClr val="3465A4"/>
-            </a:solidFill>
-          </a:ln>
-        </p:spPr>
-      </p:cxnSp>
-      <p:cxnSp>
-        <p:nvCxnSpPr>
-          <p:cNvPr id="67" name="Line 29"/>
-          <p:cNvCxnSpPr>
-            <a:stCxn id="59" idx="3"/>
-            <a:endCxn id="61" idx="1"/>
-          </p:cNvCxnSpPr>
-          <p:nvPr/>
-        </p:nvCxnSpPr>
-        <p:spPr>
-          <a:xfrm flipV="1">
-            <a:off x="4392000" y="4102920"/>
-            <a:ext cx="2160360" cy="253440"/>
+            <a:off x="4392240" y="3706765"/>
+            <a:ext cx="1743464" cy="475976"/>
           </a:xfrm>
           <a:prstGeom prst="straightConnector1">
             <a:avLst/>
@@ -2524,9 +2335,9 @@
           <p:nvPr/>
         </p:nvCxnSpPr>
         <p:spPr>
-          <a:xfrm flipV="1">
-            <a:off x="4392000" y="4318920"/>
-            <a:ext cx="2160360" cy="37440"/>
+          <a:xfrm>
+            <a:off x="4419480" y="4758805"/>
+            <a:ext cx="1772960" cy="964184"/>
           </a:xfrm>
           <a:prstGeom prst="straightConnector1">
             <a:avLst/>
@@ -2549,8 +2360,8 @@
         </p:nvCxnSpPr>
         <p:spPr>
           <a:xfrm flipV="1">
-            <a:off x="2737800" y="3397680"/>
-            <a:ext cx="547200" cy="605520"/>
+            <a:off x="2838240" y="3606677"/>
+            <a:ext cx="446400" cy="396163"/>
           </a:xfrm>
           <a:prstGeom prst="straightConnector1">
             <a:avLst/>
@@ -2573,8 +2384,8 @@
         </p:nvCxnSpPr>
         <p:spPr>
           <a:xfrm flipV="1">
-            <a:off x="2737800" y="3600000"/>
-            <a:ext cx="547200" cy="403200"/>
+            <a:off x="2838240" y="3871166"/>
+            <a:ext cx="469680" cy="131674"/>
           </a:xfrm>
           <a:prstGeom prst="straightConnector1">
             <a:avLst/>
@@ -2597,8 +2408,8 @@
         </p:nvCxnSpPr>
         <p:spPr>
           <a:xfrm>
-            <a:off x="2737800" y="4002840"/>
-            <a:ext cx="547200" cy="115200"/>
+            <a:off x="2838240" y="4002840"/>
+            <a:ext cx="440520" cy="179901"/>
           </a:xfrm>
           <a:prstGeom prst="straightConnector1">
             <a:avLst/>
@@ -2621,8 +2432,8 @@
         </p:nvCxnSpPr>
         <p:spPr>
           <a:xfrm>
-            <a:off x="2737800" y="4002840"/>
-            <a:ext cx="547200" cy="353520"/>
+            <a:off x="2838240" y="4002840"/>
+            <a:ext cx="473880" cy="755965"/>
           </a:xfrm>
           <a:prstGeom prst="straightConnector1">
             <a:avLst/>
@@ -2645,8 +2456,8 @@
         </p:nvCxnSpPr>
         <p:spPr>
           <a:xfrm flipV="1">
-            <a:off x="2838240" y="1262377"/>
-            <a:ext cx="946980" cy="926783"/>
+            <a:off x="2880072" y="1262377"/>
+            <a:ext cx="905148" cy="818412"/>
           </a:xfrm>
           <a:prstGeom prst="straightConnector1">
             <a:avLst/>
@@ -2669,8 +2480,8 @@
         </p:nvCxnSpPr>
         <p:spPr>
           <a:xfrm flipV="1">
-            <a:off x="3612600" y="1713412"/>
-            <a:ext cx="2617740" cy="885428"/>
+            <a:off x="3672160" y="1713412"/>
+            <a:ext cx="2304256" cy="957161"/>
           </a:xfrm>
           <a:prstGeom prst="straightConnector1">
             <a:avLst/>
@@ -2693,8 +2504,8 @@
         </p:nvCxnSpPr>
         <p:spPr>
           <a:xfrm flipV="1">
-            <a:off x="3612600" y="1969805"/>
-            <a:ext cx="2643480" cy="629035"/>
+            <a:off x="3672160" y="1894833"/>
+            <a:ext cx="2338364" cy="775740"/>
           </a:xfrm>
           <a:prstGeom prst="straightConnector1">
             <a:avLst/>
@@ -2708,150 +2519,13 @@
       </p:cxnSp>
       <p:sp>
         <p:nvSpPr>
-          <p:cNvPr id="78" name="TextShape 40"/>
-          <p:cNvSpPr txBox="1"/>
-          <p:nvPr/>
-        </p:nvSpPr>
-        <p:spPr>
-          <a:xfrm>
-            <a:off x="6120000" y="4788000"/>
-            <a:ext cx="3384000" cy="290160"/>
-          </a:xfrm>
-          <a:prstGeom prst="rect">
-            <a:avLst/>
-          </a:prstGeom>
-          <a:noFill/>
-          <a:ln>
-            <a:noFill/>
-          </a:ln>
-        </p:spPr>
-        <p:txBody>
-          <a:bodyPr lIns="90000" tIns="45000" rIns="90000" bIns="45000"/>
-          <a:lstStyle/>
-          <a:p>
-            <a:r>
-              <a:rPr lang="en-GB" sz="1200">
-                <a:solidFill>
-                  <a:srgbClr val="006600"/>
-                </a:solidFill>
-                <a:latin typeface="Courier New"/>
-              </a:rPr>
-              <a:t>ItemRequest</a:t>
-            </a:r>
-            <a:r>
-              <a:rPr lang="en-GB" sz="1200">
-                <a:solidFill>
-                  <a:srgbClr val="006600"/>
-                </a:solidFill>
-                <a:latin typeface="Arial"/>
-              </a:rPr>
-              <a:t>NotAuthorized</a:t>
-            </a:r>
-            <a:endParaRPr/>
-          </a:p>
-        </p:txBody>
-      </p:sp>
-      <p:cxnSp>
-        <p:nvCxnSpPr>
-          <p:cNvPr id="79" name="Line 41"/>
-          <p:cNvCxnSpPr>
-            <a:stCxn id="42" idx="3"/>
-          </p:cNvCxnSpPr>
-          <p:nvPr/>
-        </p:nvCxnSpPr>
-        <p:spPr>
-          <a:xfrm flipV="1">
-            <a:off x="2800080" y="5017680"/>
-            <a:ext cx="556920" cy="267840"/>
-          </a:xfrm>
-          <a:prstGeom prst="straightConnector1">
-            <a:avLst/>
-          </a:prstGeom>
-          <a:ln>
-            <a:solidFill>
-              <a:srgbClr val="000000"/>
-            </a:solidFill>
-          </a:ln>
-        </p:spPr>
-      </p:cxnSp>
-      <p:cxnSp>
-        <p:nvCxnSpPr>
-          <p:cNvPr id="80" name="Line 42"/>
-          <p:cNvCxnSpPr>
-            <a:stCxn id="42" idx="3"/>
-          </p:cNvCxnSpPr>
-          <p:nvPr/>
-        </p:nvCxnSpPr>
-        <p:spPr>
-          <a:xfrm flipV="1">
-            <a:off x="2800080" y="5220000"/>
-            <a:ext cx="556920" cy="65520"/>
-          </a:xfrm>
-          <a:prstGeom prst="straightConnector1">
-            <a:avLst/>
-          </a:prstGeom>
-          <a:ln>
-            <a:solidFill>
-              <a:srgbClr val="000000"/>
-            </a:solidFill>
-          </a:ln>
-        </p:spPr>
-      </p:cxnSp>
-      <p:cxnSp>
-        <p:nvCxnSpPr>
-          <p:cNvPr id="81" name="Line 43"/>
-          <p:cNvCxnSpPr>
-            <a:stCxn id="42" idx="3"/>
-          </p:cNvCxnSpPr>
-          <p:nvPr/>
-        </p:nvCxnSpPr>
-        <p:spPr>
-          <a:xfrm>
-            <a:off x="2800080" y="5285160"/>
-            <a:ext cx="556920" cy="452880"/>
-          </a:xfrm>
-          <a:prstGeom prst="straightConnector1">
-            <a:avLst/>
-          </a:prstGeom>
-          <a:ln>
-            <a:solidFill>
-              <a:srgbClr val="000000"/>
-            </a:solidFill>
-          </a:ln>
-        </p:spPr>
-      </p:cxnSp>
-      <p:cxnSp>
-        <p:nvCxnSpPr>
-          <p:cNvPr id="82" name="Line 44"/>
-          <p:cNvCxnSpPr>
-            <a:stCxn id="42" idx="3"/>
-          </p:cNvCxnSpPr>
-          <p:nvPr/>
-        </p:nvCxnSpPr>
-        <p:spPr>
-          <a:xfrm>
-            <a:off x="2800080" y="5285160"/>
-            <a:ext cx="556920" cy="691200"/>
-          </a:xfrm>
-          <a:prstGeom prst="straightConnector1">
-            <a:avLst/>
-          </a:prstGeom>
-          <a:ln>
-            <a:solidFill>
-              <a:srgbClr val="000000"/>
-            </a:solidFill>
-          </a:ln>
-        </p:spPr>
-      </p:cxnSp>
-      <p:sp>
-        <p:nvSpPr>
           <p:cNvPr id="83" name="TextShape 45"/>
           <p:cNvSpPr txBox="1"/>
           <p:nvPr/>
         </p:nvSpPr>
         <p:spPr>
           <a:xfrm>
-            <a:off x="3284640" y="3692520"/>
+            <a:off x="3284640" y="3145485"/>
             <a:ext cx="1012320" cy="346320"/>
           </a:xfrm>
           <a:prstGeom prst="rect">
@@ -2867,38 +2541,15 @@
           <a:lstStyle/>
           <a:p>
             <a:r>
-              <a:rPr lang="en-GB" sz="1400">
+              <a:rPr lang="en-GB" sz="1400" dirty="0" err="1" smtClean="0">
                 <a:latin typeface="Arial"/>
               </a:rPr>
-              <a:t>Metadata</a:t>
-            </a:r>
-            <a:endParaRPr/>
-          </a:p>
-        </p:txBody>
-      </p:sp>
-      <p:cxnSp>
-        <p:nvCxnSpPr>
-          <p:cNvPr id="84" name="Line 46"/>
-          <p:cNvCxnSpPr>
-            <a:stCxn id="42" idx="3"/>
-          </p:cNvCxnSpPr>
-          <p:nvPr/>
-        </p:nvCxnSpPr>
-        <p:spPr>
-          <a:xfrm>
-            <a:off x="2800080" y="5285160"/>
-            <a:ext cx="556920" cy="200880"/>
-          </a:xfrm>
-          <a:prstGeom prst="straightConnector1">
-            <a:avLst/>
-          </a:prstGeom>
-          <a:ln>
-            <a:solidFill>
-              <a:srgbClr val="000000"/>
-            </a:solidFill>
-          </a:ln>
-        </p:spPr>
-      </p:cxnSp>
+              <a:t>MetaData</a:t>
+            </a:r>
+            <a:endParaRPr dirty="0"/>
+          </a:p>
+        </p:txBody>
+      </p:sp>
       <p:sp>
         <p:nvSpPr>
           <p:cNvPr id="85" name="TextShape 47"/>
@@ -2923,7 +2574,7 @@
           <a:lstStyle/>
           <a:p>
             <a:r>
-              <a:rPr lang="en-GB" sz="1400" b="1" i="1">
+              <a:rPr lang="en-GB" sz="1400" b="1" i="1" dirty="0">
                 <a:solidFill>
                   <a:srgbClr val="808080"/>
                 </a:solidFill>
@@ -2932,7 +2583,7 @@
               <a:t>Item</a:t>
             </a:r>
             <a:r>
-              <a:rPr lang="en-GB" sz="1400" i="1">
+              <a:rPr lang="en-GB" sz="1400" i="1" dirty="0">
                 <a:solidFill>
                   <a:srgbClr val="808080"/>
                 </a:solidFill>
@@ -2940,11 +2591,11 @@
               </a:rPr>
               <a:t> are {Subject, Object, Action}</a:t>
             </a:r>
-            <a:endParaRPr/>
-          </a:p>
-          <a:p>
-            <a:r>
-              <a:rPr lang="en-GB" sz="1400" b="1" i="1">
+            <a:endParaRPr dirty="0"/>
+          </a:p>
+          <a:p>
+            <a:r>
+              <a:rPr lang="en-GB" sz="1400" b="1" i="1" dirty="0">
                 <a:solidFill>
                   <a:srgbClr val="808080"/>
                 </a:solidFill>
@@ -2953,7 +2604,7 @@
               <a:t>Request</a:t>
             </a:r>
             <a:r>
-              <a:rPr lang="en-GB" sz="1400" i="1">
+              <a:rPr lang="en-GB" sz="1400" i="1" dirty="0">
                 <a:solidFill>
                   <a:srgbClr val="808080"/>
                 </a:solidFill>
@@ -2961,11 +2612,11 @@
               </a:rPr>
               <a:t> are {Read, Add, Del}</a:t>
             </a:r>
-            <a:endParaRPr/>
-          </a:p>
-          <a:p>
-            <a:r>
-              <a:rPr lang="en-GB" sz="1400" b="1" i="1">
+            <a:endParaRPr dirty="0"/>
+          </a:p>
+          <a:p>
+            <a:r>
+              <a:rPr lang="en-GB" sz="1400" b="1" i="1" dirty="0">
                 <a:solidFill>
                   <a:srgbClr val="FF6600"/>
                 </a:solidFill>
@@ -2974,7 +2625,7 @@
               <a:t>Warning</a:t>
             </a:r>
             <a:r>
-              <a:rPr lang="en-GB" sz="1400" i="1">
+              <a:rPr lang="en-GB" sz="1400" i="1" dirty="0">
                 <a:solidFill>
                   <a:srgbClr val="808080"/>
                 </a:solidFill>
@@ -2982,11 +2633,11 @@
               </a:rPr>
               <a:t> exceptions</a:t>
             </a:r>
-            <a:endParaRPr/>
-          </a:p>
-          <a:p>
-            <a:r>
-              <a:rPr lang="en-GB" sz="1400" b="1" i="1">
+            <a:endParaRPr dirty="0"/>
+          </a:p>
+          <a:p>
+            <a:r>
+              <a:rPr lang="en-GB" sz="1400" b="1" i="1" dirty="0">
                 <a:solidFill>
                   <a:srgbClr val="FF3333"/>
                 </a:solidFill>
@@ -2995,7 +2646,7 @@
               <a:t>Error</a:t>
             </a:r>
             <a:r>
-              <a:rPr lang="en-GB" sz="1400" i="1">
+              <a:rPr lang="en-GB" sz="1400" i="1" dirty="0">
                 <a:solidFill>
                   <a:srgbClr val="808080"/>
                 </a:solidFill>
@@ -3003,11 +2654,11 @@
               </a:rPr>
               <a:t> exceptions</a:t>
             </a:r>
-            <a:endParaRPr/>
-          </a:p>
-          <a:p>
-            <a:r>
-              <a:rPr lang="en-GB" sz="1400" b="1" i="1">
+            <a:endParaRPr dirty="0"/>
+          </a:p>
+          <a:p>
+            <a:r>
+              <a:rPr lang="en-GB" sz="1400" b="1" i="1" dirty="0" err="1">
                 <a:solidFill>
                   <a:srgbClr val="006600"/>
                 </a:solidFill>
@@ -3016,7 +2667,7 @@
               <a:t>Authz</a:t>
             </a:r>
             <a:r>
-              <a:rPr lang="en-GB" sz="1400" i="1">
+              <a:rPr lang="en-GB" sz="1400" i="1" dirty="0">
                 <a:solidFill>
                   <a:srgbClr val="808080"/>
                 </a:solidFill>
@@ -3024,368 +2675,10 @@
               </a:rPr>
               <a:t> exceptions</a:t>
             </a:r>
-            <a:endParaRPr/>
-          </a:p>
-        </p:txBody>
-      </p:sp>
-      <p:cxnSp>
-        <p:nvCxnSpPr>
-          <p:cNvPr id="86" name="Line 48"/>
-          <p:cNvCxnSpPr>
-            <a:endCxn id="78" idx="1"/>
-          </p:cNvCxnSpPr>
-          <p:nvPr/>
-        </p:nvCxnSpPr>
-        <p:spPr>
-          <a:xfrm flipV="1">
-            <a:off x="4440960" y="4933080"/>
-            <a:ext cx="1679400" cy="84960"/>
-          </a:xfrm>
-          <a:prstGeom prst="straightConnector1">
-            <a:avLst/>
-          </a:prstGeom>
-          <a:ln>
-            <a:solidFill>
-              <a:srgbClr val="000000"/>
-            </a:solidFill>
-          </a:ln>
-        </p:spPr>
-      </p:cxnSp>
-      <p:sp>
-        <p:nvSpPr>
-          <p:cNvPr id="87" name="TextShape 49"/>
-          <p:cNvSpPr txBox="1"/>
-          <p:nvPr/>
-        </p:nvSpPr>
-        <p:spPr>
-          <a:xfrm>
-            <a:off x="6120000" y="5076000"/>
-            <a:ext cx="3384000" cy="290160"/>
-          </a:xfrm>
-          <a:prstGeom prst="rect">
-            <a:avLst/>
-          </a:prstGeom>
-          <a:noFill/>
-          <a:ln>
-            <a:noFill/>
-          </a:ln>
-        </p:spPr>
-        <p:txBody>
-          <a:bodyPr lIns="90000" tIns="45000" rIns="90000" bIns="45000"/>
-          <a:lstStyle/>
-          <a:p>
-            <a:r>
-              <a:rPr lang="en-GB" sz="1200">
-                <a:solidFill>
-                  <a:srgbClr val="006600"/>
-                </a:solidFill>
-                <a:latin typeface="Courier New"/>
-              </a:rPr>
-              <a:t>Item</a:t>
-            </a:r>
-            <a:r>
-              <a:rPr lang="en-GB" sz="1200">
-                <a:solidFill>
-                  <a:srgbClr val="006600"/>
-                </a:solidFill>
-                <a:latin typeface="Arial"/>
-              </a:rPr>
-              <a:t>CategoryScope</a:t>
-            </a:r>
-            <a:r>
-              <a:rPr lang="en-GB" sz="1200">
-                <a:solidFill>
-                  <a:srgbClr val="006600"/>
-                </a:solidFill>
-                <a:latin typeface="Courier New"/>
-              </a:rPr>
-              <a:t>Request</a:t>
-            </a:r>
-            <a:r>
-              <a:rPr lang="en-GB" sz="1200">
-                <a:solidFill>
-                  <a:srgbClr val="006600"/>
-                </a:solidFill>
-                <a:latin typeface="Arial"/>
-              </a:rPr>
-              <a:t>NotAuthorized</a:t>
-            </a:r>
-            <a:endParaRPr/>
-          </a:p>
-        </p:txBody>
-      </p:sp>
-      <p:cxnSp>
-        <p:nvCxnSpPr>
-          <p:cNvPr id="88" name="Line 50"/>
-          <p:cNvCxnSpPr>
-            <a:endCxn id="87" idx="1"/>
-          </p:cNvCxnSpPr>
-          <p:nvPr/>
-        </p:nvCxnSpPr>
-        <p:spPr>
-          <a:xfrm>
-            <a:off x="4440960" y="5220000"/>
-            <a:ext cx="1679400" cy="1440"/>
-          </a:xfrm>
-          <a:prstGeom prst="straightConnector1">
-            <a:avLst/>
-          </a:prstGeom>
-          <a:ln>
-            <a:solidFill>
-              <a:srgbClr val="000000"/>
-            </a:solidFill>
-          </a:ln>
-        </p:spPr>
-      </p:cxnSp>
-      <p:sp>
-        <p:nvSpPr>
-          <p:cNvPr id="89" name="TextShape 51"/>
-          <p:cNvSpPr txBox="1"/>
-          <p:nvPr/>
-        </p:nvSpPr>
-        <p:spPr>
-          <a:xfrm>
-            <a:off x="6120000" y="5364000"/>
-            <a:ext cx="3384000" cy="290160"/>
-          </a:xfrm>
-          <a:prstGeom prst="rect">
-            <a:avLst/>
-          </a:prstGeom>
-          <a:noFill/>
-          <a:ln>
-            <a:noFill/>
-          </a:ln>
-        </p:spPr>
-        <p:txBody>
-          <a:bodyPr lIns="90000" tIns="45000" rIns="90000" bIns="45000"/>
-          <a:lstStyle/>
-          <a:p>
-            <a:r>
-              <a:rPr lang="en-GB" sz="1200">
-                <a:solidFill>
-                  <a:srgbClr val="006600"/>
-                </a:solidFill>
-                <a:latin typeface="Courier New"/>
-              </a:rPr>
-              <a:t>Item</a:t>
-            </a:r>
-            <a:r>
-              <a:rPr lang="en-GB" sz="1200">
-                <a:solidFill>
-                  <a:srgbClr val="006600"/>
-                </a:solidFill>
-                <a:latin typeface="Arial"/>
-              </a:rPr>
-              <a:t>Category</a:t>
-            </a:r>
-            <a:r>
-              <a:rPr lang="en-GB" sz="1200">
-                <a:solidFill>
-                  <a:srgbClr val="006600"/>
-                </a:solidFill>
-                <a:latin typeface="Courier New"/>
-              </a:rPr>
-              <a:t>Request</a:t>
-            </a:r>
-            <a:r>
-              <a:rPr lang="en-GB" sz="1200">
-                <a:solidFill>
-                  <a:srgbClr val="006600"/>
-                </a:solidFill>
-                <a:latin typeface="Arial"/>
-              </a:rPr>
-              <a:t>NotAuthorized</a:t>
-            </a:r>
-            <a:endParaRPr/>
-          </a:p>
-        </p:txBody>
-      </p:sp>
-      <p:cxnSp>
-        <p:nvCxnSpPr>
-          <p:cNvPr id="90" name="Line 52"/>
-          <p:cNvCxnSpPr>
-            <a:endCxn id="89" idx="1"/>
-          </p:cNvCxnSpPr>
-          <p:nvPr/>
-        </p:nvCxnSpPr>
-        <p:spPr>
-          <a:xfrm>
-            <a:off x="4464000" y="5485680"/>
-            <a:ext cx="1656360" cy="23760"/>
-          </a:xfrm>
-          <a:prstGeom prst="straightConnector1">
-            <a:avLst/>
-          </a:prstGeom>
-          <a:ln>
-            <a:solidFill>
-              <a:srgbClr val="000000"/>
-            </a:solidFill>
-          </a:ln>
-        </p:spPr>
-      </p:cxnSp>
-      <p:sp>
-        <p:nvSpPr>
-          <p:cNvPr id="91" name="TextShape 53"/>
-          <p:cNvSpPr txBox="1"/>
-          <p:nvPr/>
-        </p:nvSpPr>
-        <p:spPr>
-          <a:xfrm>
-            <a:off x="6120000" y="5688000"/>
-            <a:ext cx="3600000" cy="434520"/>
-          </a:xfrm>
-          <a:prstGeom prst="rect">
-            <a:avLst/>
-          </a:prstGeom>
-          <a:noFill/>
-          <a:ln>
-            <a:noFill/>
-          </a:ln>
-        </p:spPr>
-        <p:txBody>
-          <a:bodyPr lIns="90000" tIns="45000" rIns="90000" bIns="45000"/>
-          <a:lstStyle/>
-          <a:p>
-            <a:r>
-              <a:rPr lang="en-GB" sz="1200">
-                <a:solidFill>
-                  <a:srgbClr val="006600"/>
-                </a:solidFill>
-                <a:latin typeface="Courier New"/>
-              </a:rPr>
-              <a:t>Item</a:t>
-            </a:r>
-            <a:r>
-              <a:rPr lang="en-GB" sz="1200">
-                <a:solidFill>
-                  <a:srgbClr val="006600"/>
-                </a:solidFill>
-                <a:latin typeface="Arial"/>
-              </a:rPr>
-              <a:t>CategoryAssignment</a:t>
-            </a:r>
-            <a:r>
-              <a:rPr lang="en-GB" sz="1200">
-                <a:solidFill>
-                  <a:srgbClr val="006600"/>
-                </a:solidFill>
-                <a:latin typeface="Courier New"/>
-              </a:rPr>
-              <a:t>Request</a:t>
-            </a:r>
-            <a:r>
-              <a:rPr lang="en-GB" sz="1200">
-                <a:solidFill>
-                  <a:srgbClr val="006600"/>
-                </a:solidFill>
-                <a:latin typeface="Arial"/>
-              </a:rPr>
-              <a:t>NotAuthorized</a:t>
-            </a:r>
-            <a:endParaRPr/>
-          </a:p>
-        </p:txBody>
-      </p:sp>
-      <p:cxnSp>
-        <p:nvCxnSpPr>
-          <p:cNvPr id="92" name="Line 54"/>
-          <p:cNvCxnSpPr>
-            <a:endCxn id="91" idx="1"/>
-          </p:cNvCxnSpPr>
-          <p:nvPr/>
-        </p:nvCxnSpPr>
-        <p:spPr>
-          <a:xfrm>
-            <a:off x="4470120" y="5737680"/>
-            <a:ext cx="1650240" cy="167760"/>
-          </a:xfrm>
-          <a:prstGeom prst="straightConnector1">
-            <a:avLst/>
-          </a:prstGeom>
-          <a:ln>
-            <a:solidFill>
-              <a:srgbClr val="000000"/>
-            </a:solidFill>
-          </a:ln>
-        </p:spPr>
-      </p:cxnSp>
-      <p:sp>
-        <p:nvSpPr>
-          <p:cNvPr id="93" name="TextShape 55"/>
-          <p:cNvSpPr txBox="1"/>
-          <p:nvPr/>
-        </p:nvSpPr>
-        <p:spPr>
-          <a:xfrm>
-            <a:off x="6120000" y="6012000"/>
-            <a:ext cx="3384000" cy="290160"/>
-          </a:xfrm>
-          <a:prstGeom prst="rect">
-            <a:avLst/>
-          </a:prstGeom>
-          <a:noFill/>
-          <a:ln>
-            <a:noFill/>
-          </a:ln>
-        </p:spPr>
-        <p:txBody>
-          <a:bodyPr lIns="90000" tIns="45000" rIns="90000" bIns="45000"/>
-          <a:lstStyle/>
-          <a:p>
-            <a:r>
-              <a:rPr lang="en-GB" sz="1200">
-                <a:solidFill>
-                  <a:srgbClr val="006600"/>
-                </a:solidFill>
-                <a:latin typeface="Arial"/>
-              </a:rPr>
-              <a:t>Rule</a:t>
-            </a:r>
-            <a:r>
-              <a:rPr lang="en-GB" sz="1200">
-                <a:solidFill>
-                  <a:srgbClr val="006600"/>
-                </a:solidFill>
-                <a:latin typeface="Courier New"/>
-              </a:rPr>
-              <a:t>Request</a:t>
-            </a:r>
-            <a:r>
-              <a:rPr lang="en-GB" sz="1200">
-                <a:solidFill>
-                  <a:srgbClr val="006600"/>
-                </a:solidFill>
-                <a:latin typeface="Arial"/>
-              </a:rPr>
-              <a:t>NotAuthorized</a:t>
-            </a:r>
-            <a:endParaRPr/>
-          </a:p>
-        </p:txBody>
-      </p:sp>
-      <p:cxnSp>
-        <p:nvCxnSpPr>
-          <p:cNvPr id="94" name="Line 56"/>
-          <p:cNvCxnSpPr>
-            <a:endCxn id="93" idx="1"/>
-          </p:cNvCxnSpPr>
-          <p:nvPr/>
-        </p:nvCxnSpPr>
-        <p:spPr>
-          <a:xfrm>
-            <a:off x="4464000" y="5976000"/>
-            <a:ext cx="1656360" cy="181440"/>
-          </a:xfrm>
-          <a:prstGeom prst="straightConnector1">
-            <a:avLst/>
-          </a:prstGeom>
-          <a:ln>
-            <a:solidFill>
-              <a:srgbClr val="000000"/>
-            </a:solidFill>
-          </a:ln>
-        </p:spPr>
-      </p:cxnSp>
+            <a:endParaRPr dirty="0"/>
+          </a:p>
+        </p:txBody>
+      </p:sp>
       <p:sp>
         <p:nvSpPr>
           <p:cNvPr id="95" name="TextShape 57"/>
@@ -3455,305 +2748,6 @@
           </a:p>
         </p:txBody>
       </p:sp>
-      <p:sp>
-        <p:nvSpPr>
-          <p:cNvPr id="97" name="TextShape 59"/>
-          <p:cNvSpPr txBox="1"/>
-          <p:nvPr/>
-        </p:nvSpPr>
-        <p:spPr>
-          <a:xfrm>
-            <a:off x="3356640" y="4844520"/>
-            <a:ext cx="1084320" cy="346320"/>
-          </a:xfrm>
-          <a:prstGeom prst="rect">
-            <a:avLst/>
-          </a:prstGeom>
-          <a:noFill/>
-          <a:ln>
-            <a:noFill/>
-          </a:ln>
-        </p:spPr>
-        <p:txBody>
-          <a:bodyPr lIns="90000" tIns="45000" rIns="90000" bIns="45000"/>
-          <a:lstStyle/>
-          <a:p>
-            <a:r>
-              <a:rPr lang="en-GB" sz="1400">
-                <a:latin typeface="Arial"/>
-              </a:rPr>
-              <a:t>Perimeter</a:t>
-            </a:r>
-            <a:endParaRPr/>
-          </a:p>
-        </p:txBody>
-      </p:sp>
-      <p:sp>
-        <p:nvSpPr>
-          <p:cNvPr id="98" name="TextShape 60"/>
-          <p:cNvSpPr txBox="1"/>
-          <p:nvPr/>
-        </p:nvSpPr>
-        <p:spPr>
-          <a:xfrm>
-            <a:off x="3356640" y="5046840"/>
-            <a:ext cx="1084320" cy="346320"/>
-          </a:xfrm>
-          <a:prstGeom prst="rect">
-            <a:avLst/>
-          </a:prstGeom>
-          <a:noFill/>
-          <a:ln>
-            <a:noFill/>
-          </a:ln>
-        </p:spPr>
-        <p:txBody>
-          <a:bodyPr lIns="90000" tIns="45000" rIns="90000" bIns="45000"/>
-          <a:lstStyle/>
-          <a:p>
-            <a:r>
-              <a:rPr lang="en-GB" sz="1400">
-                <a:latin typeface="Arial"/>
-              </a:rPr>
-              <a:t>Scope</a:t>
-            </a:r>
-            <a:endParaRPr/>
-          </a:p>
-        </p:txBody>
-      </p:sp>
-      <p:sp>
-        <p:nvSpPr>
-          <p:cNvPr id="99" name="TextShape 61"/>
-          <p:cNvSpPr txBox="1"/>
-          <p:nvPr/>
-        </p:nvSpPr>
-        <p:spPr>
-          <a:xfrm>
-            <a:off x="3356640" y="5564520"/>
-            <a:ext cx="1113480" cy="346320"/>
-          </a:xfrm>
-          <a:prstGeom prst="rect">
-            <a:avLst/>
-          </a:prstGeom>
-          <a:noFill/>
-          <a:ln>
-            <a:noFill/>
-          </a:ln>
-        </p:spPr>
-        <p:txBody>
-          <a:bodyPr lIns="90000" tIns="45000" rIns="90000" bIns="45000"/>
-          <a:lstStyle/>
-          <a:p>
-            <a:r>
-              <a:rPr lang="en-GB" sz="1400">
-                <a:latin typeface="Arial"/>
-              </a:rPr>
-              <a:t>Assignment</a:t>
-            </a:r>
-            <a:endParaRPr/>
-          </a:p>
-        </p:txBody>
-      </p:sp>
-      <p:sp>
-        <p:nvSpPr>
-          <p:cNvPr id="100" name="TextShape 62"/>
-          <p:cNvSpPr txBox="1"/>
-          <p:nvPr/>
-        </p:nvSpPr>
-        <p:spPr>
-          <a:xfrm>
-            <a:off x="3356640" y="5802840"/>
-            <a:ext cx="1107360" cy="346320"/>
-          </a:xfrm>
-          <a:prstGeom prst="rect">
-            <a:avLst/>
-          </a:prstGeom>
-          <a:noFill/>
-          <a:ln>
-            <a:noFill/>
-          </a:ln>
-        </p:spPr>
-        <p:txBody>
-          <a:bodyPr lIns="90000" tIns="45000" rIns="90000" bIns="45000"/>
-          <a:lstStyle/>
-          <a:p>
-            <a:r>
-              <a:rPr lang="en-GB" sz="1400">
-                <a:latin typeface="Arial"/>
-              </a:rPr>
-              <a:t>Rule</a:t>
-            </a:r>
-            <a:endParaRPr/>
-          </a:p>
-        </p:txBody>
-      </p:sp>
-      <p:sp>
-        <p:nvSpPr>
-          <p:cNvPr id="101" name="TextShape 63"/>
-          <p:cNvSpPr txBox="1"/>
-          <p:nvPr/>
-        </p:nvSpPr>
-        <p:spPr>
-          <a:xfrm>
-            <a:off x="3356640" y="5312520"/>
-            <a:ext cx="1107360" cy="346320"/>
-          </a:xfrm>
-          <a:prstGeom prst="rect">
-            <a:avLst/>
-          </a:prstGeom>
-          <a:noFill/>
-          <a:ln>
-            <a:noFill/>
-          </a:ln>
-        </p:spPr>
-        <p:txBody>
-          <a:bodyPr lIns="90000" tIns="45000" rIns="90000" bIns="45000"/>
-          <a:lstStyle/>
-          <a:p>
-            <a:r>
-              <a:rPr lang="en-GB" sz="1400">
-                <a:latin typeface="Arial"/>
-              </a:rPr>
-              <a:t>Metadata</a:t>
-            </a:r>
-            <a:endParaRPr/>
-          </a:p>
-        </p:txBody>
-      </p:sp>
-      <p:sp>
-        <p:nvSpPr>
-          <p:cNvPr id="102" name="TextShape 64"/>
-          <p:cNvSpPr txBox="1"/>
-          <p:nvPr/>
-        </p:nvSpPr>
-        <p:spPr>
-          <a:xfrm>
-            <a:off x="6120000" y="6264360"/>
-            <a:ext cx="3384000" cy="290160"/>
-          </a:xfrm>
-          <a:prstGeom prst="rect">
-            <a:avLst/>
-          </a:prstGeom>
-          <a:noFill/>
-          <a:ln>
-            <a:noFill/>
-          </a:ln>
-        </p:spPr>
-        <p:txBody>
-          <a:bodyPr lIns="90000" tIns="45000" rIns="90000" bIns="45000"/>
-          <a:lstStyle/>
-          <a:p>
-            <a:r>
-              <a:rPr lang="en-GB" sz="1200">
-                <a:solidFill>
-                  <a:srgbClr val="006600"/>
-                </a:solidFill>
-                <a:latin typeface="Arial"/>
-              </a:rPr>
-              <a:t>MetaRule</a:t>
-            </a:r>
-            <a:r>
-              <a:rPr lang="en-GB" sz="1200">
-                <a:solidFill>
-                  <a:srgbClr val="006600"/>
-                </a:solidFill>
-                <a:latin typeface="Courier New"/>
-              </a:rPr>
-              <a:t>Request</a:t>
-            </a:r>
-            <a:r>
-              <a:rPr lang="en-GB" sz="1200">
-                <a:solidFill>
-                  <a:srgbClr val="006600"/>
-                </a:solidFill>
-                <a:latin typeface="Arial"/>
-              </a:rPr>
-              <a:t>NotAuthorized</a:t>
-            </a:r>
-            <a:endParaRPr/>
-          </a:p>
-        </p:txBody>
-      </p:sp>
-      <p:cxnSp>
-        <p:nvCxnSpPr>
-          <p:cNvPr id="103" name="Line 65"/>
-          <p:cNvCxnSpPr>
-            <a:endCxn id="102" idx="1"/>
-          </p:cNvCxnSpPr>
-          <p:nvPr/>
-        </p:nvCxnSpPr>
-        <p:spPr>
-          <a:xfrm>
-            <a:off x="4464000" y="6228360"/>
-            <a:ext cx="1656360" cy="181440"/>
-          </a:xfrm>
-          <a:prstGeom prst="straightConnector1">
-            <a:avLst/>
-          </a:prstGeom>
-          <a:ln>
-            <a:solidFill>
-              <a:srgbClr val="000000"/>
-            </a:solidFill>
-          </a:ln>
-        </p:spPr>
-      </p:cxnSp>
-      <p:sp>
-        <p:nvSpPr>
-          <p:cNvPr id="104" name="TextShape 66"/>
-          <p:cNvSpPr txBox="1"/>
-          <p:nvPr/>
-        </p:nvSpPr>
-        <p:spPr>
-          <a:xfrm>
-            <a:off x="3356640" y="6055200"/>
-            <a:ext cx="1107360" cy="346320"/>
-          </a:xfrm>
-          <a:prstGeom prst="rect">
-            <a:avLst/>
-          </a:prstGeom>
-          <a:noFill/>
-          <a:ln>
-            <a:noFill/>
-          </a:ln>
-        </p:spPr>
-        <p:txBody>
-          <a:bodyPr lIns="90000" tIns="45000" rIns="90000" bIns="45000"/>
-          <a:lstStyle/>
-          <a:p>
-            <a:r>
-              <a:rPr lang="en-GB" sz="1400">
-                <a:latin typeface="Arial"/>
-              </a:rPr>
-              <a:t>MetaRule</a:t>
-            </a:r>
-            <a:endParaRPr/>
-          </a:p>
-        </p:txBody>
-      </p:sp>
-      <p:cxnSp>
-        <p:nvCxnSpPr>
-          <p:cNvPr id="105" name="Line 67"/>
-          <p:cNvCxnSpPr>
-            <a:stCxn id="42" idx="3"/>
-            <a:endCxn id="104" idx="1"/>
-          </p:cNvCxnSpPr>
-          <p:nvPr/>
-        </p:nvCxnSpPr>
-        <p:spPr>
-          <a:xfrm>
-            <a:off x="2800080" y="5285160"/>
-            <a:ext cx="556920" cy="943560"/>
-          </a:xfrm>
-          <a:prstGeom prst="straightConnector1">
-            <a:avLst/>
-          </a:prstGeom>
-          <a:ln>
-            <a:solidFill>
-              <a:srgbClr val="000000"/>
-            </a:solidFill>
-          </a:ln>
-        </p:spPr>
-      </p:cxnSp>
       <p:sp>
         <p:nvSpPr>
           <p:cNvPr id="106" name="TextShape 9"/>
@@ -3800,8 +2794,8 @@
         </p:nvCxnSpPr>
         <p:spPr>
           <a:xfrm flipV="1">
-            <a:off x="2838240" y="1462785"/>
-            <a:ext cx="957626" cy="726375"/>
+            <a:off x="2880072" y="1462785"/>
+            <a:ext cx="915794" cy="618004"/>
           </a:xfrm>
           <a:prstGeom prst="straightConnector1">
             <a:avLst/>
@@ -3822,7 +2816,7 @@
         <p:spPr>
           <a:xfrm>
             <a:off x="3805082" y="1547589"/>
-            <a:ext cx="2027318" cy="262440"/>
+            <a:ext cx="1883302" cy="262440"/>
           </a:xfrm>
           <a:prstGeom prst="rect">
             <a:avLst/>
@@ -3860,8 +2854,8 @@
         </p:nvCxnSpPr>
         <p:spPr>
           <a:xfrm flipV="1">
-            <a:off x="2838240" y="1678809"/>
-            <a:ext cx="966842" cy="510351"/>
+            <a:off x="2880072" y="1678809"/>
+            <a:ext cx="925010" cy="401980"/>
           </a:xfrm>
           <a:prstGeom prst="straightConnector1">
             <a:avLst/>
@@ -3881,7 +2875,7 @@
         </p:nvSpPr>
         <p:spPr>
           <a:xfrm>
-            <a:off x="8109360" y="2772000"/>
+            <a:off x="5578291" y="2111162"/>
             <a:ext cx="2259544" cy="346320"/>
           </a:xfrm>
           <a:prstGeom prst="rect">
@@ -3929,8 +2923,8 @@
         </p:nvCxnSpPr>
         <p:spPr>
           <a:xfrm flipV="1">
-            <a:off x="4296960" y="2945160"/>
-            <a:ext cx="3812400" cy="920520"/>
+            <a:off x="4296960" y="2284322"/>
+            <a:ext cx="1281331" cy="1034323"/>
           </a:xfrm>
           <a:prstGeom prst="straightConnector1">
             <a:avLst/>
@@ -3950,7 +2944,7 @@
         </p:nvSpPr>
         <p:spPr>
           <a:xfrm>
-            <a:off x="8109360" y="2987749"/>
+            <a:off x="5589080" y="2281389"/>
             <a:ext cx="2259544" cy="346320"/>
           </a:xfrm>
           <a:prstGeom prst="rect">
@@ -3998,8 +2992,8 @@
         </p:nvCxnSpPr>
         <p:spPr>
           <a:xfrm flipV="1">
-            <a:off x="4296960" y="3160909"/>
-            <a:ext cx="3812400" cy="704771"/>
+            <a:off x="4296960" y="2454549"/>
+            <a:ext cx="1292120" cy="864096"/>
           </a:xfrm>
           <a:prstGeom prst="straightConnector1">
             <a:avLst/>
@@ -4019,7 +3013,7 @@
         </p:nvSpPr>
         <p:spPr>
           <a:xfrm>
-            <a:off x="6120000" y="2189520"/>
+            <a:off x="5597864" y="2497413"/>
             <a:ext cx="1890720" cy="346320"/>
           </a:xfrm>
           <a:prstGeom prst="rect">
@@ -4067,8 +3061,8 @@
         </p:nvCxnSpPr>
         <p:spPr>
           <a:xfrm flipV="1">
-            <a:off x="4368960" y="2362680"/>
-            <a:ext cx="1751040" cy="1035000"/>
+            <a:off x="4368960" y="2670573"/>
+            <a:ext cx="1228904" cy="936104"/>
           </a:xfrm>
           <a:prstGeom prst="straightConnector1">
             <a:avLst/>
@@ -4088,7 +3082,7 @@
         </p:nvSpPr>
         <p:spPr>
           <a:xfrm>
-            <a:off x="9258691" y="3271663"/>
+            <a:off x="6768504" y="2769597"/>
             <a:ext cx="2259544" cy="346320"/>
           </a:xfrm>
           <a:prstGeom prst="rect">
@@ -4136,8 +3130,8 @@
         </p:nvCxnSpPr>
         <p:spPr>
           <a:xfrm flipV="1">
-            <a:off x="4368960" y="3444823"/>
-            <a:ext cx="4889731" cy="155177"/>
+            <a:off x="4392240" y="2942757"/>
+            <a:ext cx="2376264" cy="928409"/>
           </a:xfrm>
           <a:prstGeom prst="straightConnector1">
             <a:avLst/>
@@ -4157,7 +3151,7 @@
         </p:nvSpPr>
         <p:spPr>
           <a:xfrm>
-            <a:off x="9258691" y="3419797"/>
+            <a:off x="6768504" y="2927333"/>
             <a:ext cx="2259544" cy="346320"/>
           </a:xfrm>
           <a:prstGeom prst="rect">
@@ -4205,8 +3199,8 @@
         </p:nvCxnSpPr>
         <p:spPr>
           <a:xfrm flipV="1">
-            <a:off x="4368960" y="3592957"/>
-            <a:ext cx="4889731" cy="7043"/>
+            <a:off x="4392240" y="3100493"/>
+            <a:ext cx="2376264" cy="770673"/>
           </a:xfrm>
           <a:prstGeom prst="straightConnector1">
             <a:avLst/>
@@ -4226,7 +3220,7 @@
         </p:nvSpPr>
         <p:spPr>
           <a:xfrm>
-            <a:off x="8109360" y="4097607"/>
+            <a:off x="6120432" y="3345661"/>
             <a:ext cx="2592768" cy="290160"/>
           </a:xfrm>
           <a:prstGeom prst="rect">
@@ -4273,9 +3267,9 @@
           <p:nvPr/>
         </p:nvCxnSpPr>
         <p:spPr>
-          <a:xfrm>
-            <a:off x="4398120" y="4117680"/>
-            <a:ext cx="3711240" cy="125007"/>
+          <a:xfrm flipV="1">
+            <a:off x="4392240" y="3490741"/>
+            <a:ext cx="1728192" cy="692000"/>
           </a:xfrm>
           <a:prstGeom prst="straightConnector1">
             <a:avLst/>
@@ -4295,7 +3289,7 @@
         </p:nvSpPr>
         <p:spPr>
           <a:xfrm>
-            <a:off x="3284880" y="4441629"/>
+            <a:off x="3284880" y="4297613"/>
             <a:ext cx="1107360" cy="346320"/>
           </a:xfrm>
           <a:prstGeom prst="rect">
@@ -4314,7 +3308,7 @@
               <a:rPr lang="en-GB" sz="1400" dirty="0" err="1" smtClean="0">
                 <a:latin typeface="Arial"/>
               </a:rPr>
-              <a:t>Metarule</a:t>
+              <a:t>MetaRule</a:t>
             </a:r>
             <a:endParaRPr dirty="0"/>
           </a:p>
@@ -4331,8 +3325,8 @@
         </p:nvCxnSpPr>
         <p:spPr>
           <a:xfrm>
-            <a:off x="2737800" y="4002840"/>
-            <a:ext cx="547080" cy="611949"/>
+            <a:off x="2838240" y="4002840"/>
+            <a:ext cx="446640" cy="467933"/>
           </a:xfrm>
           <a:prstGeom prst="straightConnector1">
             <a:avLst/>
@@ -4352,7 +3346,7 @@
         </p:nvSpPr>
         <p:spPr>
           <a:xfrm>
-            <a:off x="8208664" y="4427909"/>
+            <a:off x="6480472" y="3919597"/>
             <a:ext cx="2592768" cy="290160"/>
           </a:xfrm>
           <a:prstGeom prst="rect">
@@ -4388,7 +3382,7 @@
         </p:nvSpPr>
         <p:spPr>
           <a:xfrm>
-            <a:off x="8208664" y="4643933"/>
+            <a:off x="6480472" y="4137749"/>
             <a:ext cx="2592768" cy="290160"/>
           </a:xfrm>
           <a:prstGeom prst="rect">
@@ -4420,14 +3414,15 @@
         <p:nvCxnSpPr>
           <p:cNvPr id="128" name="Line 27"/>
           <p:cNvCxnSpPr>
+            <a:stCxn id="122" idx="3"/>
             <a:endCxn id="125" idx="1"/>
           </p:cNvCxnSpPr>
           <p:nvPr/>
         </p:nvCxnSpPr>
         <p:spPr>
-          <a:xfrm>
-            <a:off x="4109141" y="4555792"/>
-            <a:ext cx="4099523" cy="17197"/>
+          <a:xfrm flipV="1">
+            <a:off x="4392240" y="4064677"/>
+            <a:ext cx="2088232" cy="406096"/>
           </a:xfrm>
           <a:prstGeom prst="straightConnector1">
             <a:avLst/>
@@ -4444,13 +3439,14 @@
           <p:cNvPr id="129" name="Line 27"/>
           <p:cNvCxnSpPr>
             <a:stCxn id="122" idx="3"/>
+            <a:endCxn id="126" idx="1"/>
           </p:cNvCxnSpPr>
           <p:nvPr/>
         </p:nvCxnSpPr>
         <p:spPr>
-          <a:xfrm>
-            <a:off x="4392240" y="4614789"/>
-            <a:ext cx="3960480" cy="173211"/>
+          <a:xfrm flipV="1">
+            <a:off x="4392240" y="4282829"/>
+            <a:ext cx="2088232" cy="187944"/>
           </a:xfrm>
           <a:prstGeom prst="straightConnector1">
             <a:avLst/>
@@ -4470,7 +3466,7 @@
         </p:nvSpPr>
         <p:spPr>
           <a:xfrm>
-            <a:off x="9140103" y="4934158"/>
+            <a:off x="6192440" y="4713813"/>
             <a:ext cx="2592768" cy="290160"/>
           </a:xfrm>
           <a:prstGeom prst="rect">
@@ -4506,7 +3502,7 @@
         </p:nvSpPr>
         <p:spPr>
           <a:xfrm>
-            <a:off x="9144768" y="5145861"/>
+            <a:off x="6192440" y="4528783"/>
             <a:ext cx="2592768" cy="290160"/>
           </a:xfrm>
           <a:prstGeom prst="rect">
@@ -4545,8 +3541,8 @@
         </p:nvCxnSpPr>
         <p:spPr>
           <a:xfrm>
-            <a:off x="4392240" y="4614789"/>
-            <a:ext cx="4747863" cy="464449"/>
+            <a:off x="4392240" y="4470773"/>
+            <a:ext cx="1800200" cy="388120"/>
           </a:xfrm>
           <a:prstGeom prst="straightConnector1">
             <a:avLst/>
@@ -4569,8 +3565,8 @@
         </p:nvCxnSpPr>
         <p:spPr>
           <a:xfrm>
-            <a:off x="4392240" y="4614789"/>
-            <a:ext cx="4752528" cy="676152"/>
+            <a:off x="4392240" y="4470773"/>
+            <a:ext cx="1800200" cy="203090"/>
           </a:xfrm>
           <a:prstGeom prst="straightConnector1">
             <a:avLst/>
@@ -4590,7 +3586,7 @@
         </p:nvSpPr>
         <p:spPr>
           <a:xfrm>
-            <a:off x="9144288" y="5361885"/>
+            <a:off x="6192440" y="5001845"/>
             <a:ext cx="2592768" cy="290160"/>
           </a:xfrm>
           <a:prstGeom prst="rect">
@@ -4629,8 +3625,8 @@
         </p:nvCxnSpPr>
         <p:spPr>
           <a:xfrm>
-            <a:off x="4392240" y="4614789"/>
-            <a:ext cx="4752048" cy="892176"/>
+            <a:off x="4392240" y="4470773"/>
+            <a:ext cx="1800200" cy="676152"/>
           </a:xfrm>
           <a:prstGeom prst="straightConnector1">
             <a:avLst/>
@@ -4650,7 +3646,7 @@
         </p:nvSpPr>
         <p:spPr>
           <a:xfrm>
-            <a:off x="8120160" y="3812760"/>
+            <a:off x="6204541" y="5353028"/>
             <a:ext cx="1432080" cy="290160"/>
           </a:xfrm>
           <a:prstGeom prst="rect">
@@ -4688,9 +3684,291 @@
           <p:nvPr/>
         </p:nvCxnSpPr>
         <p:spPr>
+          <a:xfrm>
+            <a:off x="4419480" y="4758805"/>
+            <a:ext cx="1785061" cy="739303"/>
+          </a:xfrm>
+          <a:prstGeom prst="straightConnector1">
+            <a:avLst/>
+          </a:prstGeom>
+          <a:ln>
+            <a:solidFill>
+              <a:srgbClr val="3465A4"/>
+            </a:solidFill>
+          </a:ln>
+        </p:spPr>
+      </p:cxnSp>
+      <p:cxnSp>
+        <p:nvCxnSpPr>
+          <p:cNvPr id="124" name="Line 33"/>
+          <p:cNvCxnSpPr>
+            <a:stCxn id="41" idx="3"/>
+            <a:endCxn id="83" idx="1"/>
+          </p:cNvCxnSpPr>
+          <p:nvPr/>
+        </p:nvCxnSpPr>
+        <p:spPr>
           <a:xfrm flipV="1">
-            <a:off x="4392000" y="3957840"/>
-            <a:ext cx="3728160" cy="398160"/>
+            <a:off x="2838240" y="3318645"/>
+            <a:ext cx="446400" cy="684195"/>
+          </a:xfrm>
+          <a:prstGeom prst="straightConnector1">
+            <a:avLst/>
+          </a:prstGeom>
+          <a:ln>
+            <a:solidFill>
+              <a:srgbClr val="3465A4"/>
+            </a:solidFill>
+          </a:ln>
+        </p:spPr>
+      </p:cxnSp>
+      <p:sp>
+        <p:nvSpPr>
+          <p:cNvPr id="156" name="TextShape 13"/>
+          <p:cNvSpPr txBox="1"/>
+          <p:nvPr/>
+        </p:nvSpPr>
+        <p:spPr>
+          <a:xfrm>
+            <a:off x="8352680" y="1294777"/>
+            <a:ext cx="2075400" cy="262440"/>
+          </a:xfrm>
+          <a:prstGeom prst="rect">
+            <a:avLst/>
+          </a:prstGeom>
+          <a:noFill/>
+          <a:ln>
+            <a:noFill/>
+          </a:ln>
+        </p:spPr>
+        <p:txBody>
+          <a:bodyPr lIns="90000" tIns="45000" rIns="90000" bIns="45000"/>
+          <a:lstStyle/>
+          <a:p>
+            <a:r>
+              <a:rPr lang="en-GB" sz="1200" dirty="0" err="1" smtClean="0">
+                <a:solidFill>
+                  <a:srgbClr val="FF3333"/>
+                </a:solidFill>
+                <a:latin typeface="Arial"/>
+              </a:rPr>
+              <a:t>RootExtensionUnknown</a:t>
+            </a:r>
+            <a:endParaRPr dirty="0"/>
+          </a:p>
+        </p:txBody>
+      </p:sp>
+      <p:cxnSp>
+        <p:nvCxnSpPr>
+          <p:cNvPr id="157" name="Line 38"/>
+          <p:cNvCxnSpPr>
+            <a:stCxn id="51" idx="3"/>
+            <a:endCxn id="156" idx="1"/>
+          </p:cNvCxnSpPr>
+          <p:nvPr/>
+        </p:nvCxnSpPr>
+        <p:spPr>
+          <a:xfrm flipV="1">
+            <a:off x="8051816" y="1425997"/>
+            <a:ext cx="300864" cy="287415"/>
+          </a:xfrm>
+          <a:prstGeom prst="straightConnector1">
+            <a:avLst/>
+          </a:prstGeom>
+          <a:ln>
+            <a:solidFill>
+              <a:srgbClr val="3465A4"/>
+            </a:solidFill>
+          </a:ln>
+        </p:spPr>
+      </p:cxnSp>
+      <p:sp>
+        <p:nvSpPr>
+          <p:cNvPr id="160" name="TextShape 9"/>
+          <p:cNvSpPr txBox="1"/>
+          <p:nvPr/>
+        </p:nvSpPr>
+        <p:spPr>
+          <a:xfrm>
+            <a:off x="6008222" y="1033327"/>
+            <a:ext cx="2272450" cy="262440"/>
+          </a:xfrm>
+          <a:prstGeom prst="rect">
+            <a:avLst/>
+          </a:prstGeom>
+          <a:noFill/>
+          <a:ln>
+            <a:noFill/>
+          </a:ln>
+        </p:spPr>
+        <p:txBody>
+          <a:bodyPr lIns="90000" tIns="45000" rIns="90000" bIns="45000"/>
+          <a:lstStyle/>
+          <a:p>
+            <a:r>
+              <a:rPr lang="en-GB" sz="1200" dirty="0" err="1" smtClean="0">
+                <a:solidFill>
+                  <a:srgbClr val="FF3333"/>
+                </a:solidFill>
+                <a:latin typeface="Arial"/>
+              </a:rPr>
+              <a:t>TenantNoIntraAuthzExtension</a:t>
+            </a:r>
+            <a:endParaRPr dirty="0"/>
+          </a:p>
+        </p:txBody>
+      </p:sp>
+      <p:cxnSp>
+        <p:nvCxnSpPr>
+          <p:cNvPr id="161" name="Line 36"/>
+          <p:cNvCxnSpPr>
+            <a:stCxn id="108" idx="3"/>
+            <a:endCxn id="160" idx="1"/>
+          </p:cNvCxnSpPr>
+          <p:nvPr/>
+        </p:nvCxnSpPr>
+        <p:spPr>
+          <a:xfrm flipV="1">
+            <a:off x="5688384" y="1164547"/>
+            <a:ext cx="319838" cy="514262"/>
+          </a:xfrm>
+          <a:prstGeom prst="straightConnector1">
+            <a:avLst/>
+          </a:prstGeom>
+          <a:ln>
+            <a:solidFill>
+              <a:srgbClr val="3465A4"/>
+            </a:solidFill>
+          </a:ln>
+        </p:spPr>
+      </p:cxnSp>
+      <p:sp>
+        <p:nvSpPr>
+          <p:cNvPr id="169" name="TextShape 18"/>
+          <p:cNvSpPr txBox="1"/>
+          <p:nvPr/>
+        </p:nvSpPr>
+        <p:spPr>
+          <a:xfrm>
+            <a:off x="7416816" y="2324253"/>
+            <a:ext cx="2160000" cy="303456"/>
+          </a:xfrm>
+          <a:prstGeom prst="rect">
+            <a:avLst/>
+          </a:prstGeom>
+          <a:noFill/>
+          <a:ln>
+            <a:noFill/>
+          </a:ln>
+        </p:spPr>
+        <p:txBody>
+          <a:bodyPr lIns="90000" tIns="45000" rIns="90000" bIns="45000"/>
+          <a:lstStyle/>
+          <a:p>
+            <a:r>
+              <a:rPr lang="en-GB" sz="1200" dirty="0" err="1" smtClean="0">
+                <a:solidFill>
+                  <a:srgbClr val="FF3333"/>
+                </a:solidFill>
+                <a:latin typeface="Courier New"/>
+              </a:rPr>
+              <a:t>Objects</a:t>
+            </a:r>
+            <a:r>
+              <a:rPr lang="en-GB" sz="1200" dirty="0" err="1" smtClean="0">
+                <a:solidFill>
+                  <a:srgbClr val="FF3333"/>
+                </a:solidFill>
+                <a:latin typeface="Arial"/>
+              </a:rPr>
+              <a:t>WriteNoAuthorized</a:t>
+            </a:r>
+            <a:endParaRPr dirty="0"/>
+          </a:p>
+        </p:txBody>
+      </p:sp>
+      <p:sp>
+        <p:nvSpPr>
+          <p:cNvPr id="170" name="TextShape 18"/>
+          <p:cNvSpPr txBox="1"/>
+          <p:nvPr/>
+        </p:nvSpPr>
+        <p:spPr>
+          <a:xfrm>
+            <a:off x="7416816" y="2483693"/>
+            <a:ext cx="2160000" cy="303456"/>
+          </a:xfrm>
+          <a:prstGeom prst="rect">
+            <a:avLst/>
+          </a:prstGeom>
+          <a:noFill/>
+          <a:ln>
+            <a:noFill/>
+          </a:ln>
+        </p:spPr>
+        <p:txBody>
+          <a:bodyPr lIns="90000" tIns="45000" rIns="90000" bIns="45000"/>
+          <a:lstStyle/>
+          <a:p>
+            <a:r>
+              <a:rPr lang="en-GB" sz="1200" dirty="0" err="1" smtClean="0">
+                <a:solidFill>
+                  <a:srgbClr val="FF3333"/>
+                </a:solidFill>
+                <a:latin typeface="Courier New"/>
+              </a:rPr>
+              <a:t>Actions</a:t>
+            </a:r>
+            <a:r>
+              <a:rPr lang="en-GB" sz="1200" dirty="0" err="1" smtClean="0">
+                <a:solidFill>
+                  <a:srgbClr val="FF3333"/>
+                </a:solidFill>
+                <a:latin typeface="Arial"/>
+              </a:rPr>
+              <a:t>WriteNoAuthorized</a:t>
+            </a:r>
+            <a:endParaRPr dirty="0"/>
+          </a:p>
+        </p:txBody>
+      </p:sp>
+      <p:cxnSp>
+        <p:nvCxnSpPr>
+          <p:cNvPr id="171" name="Line 25"/>
+          <p:cNvCxnSpPr>
+            <a:stCxn id="53" idx="3"/>
+            <a:endCxn id="169" idx="1"/>
+          </p:cNvCxnSpPr>
+          <p:nvPr/>
+        </p:nvCxnSpPr>
+        <p:spPr>
+          <a:xfrm flipV="1">
+            <a:off x="4368960" y="2475981"/>
+            <a:ext cx="3047856" cy="1130696"/>
+          </a:xfrm>
+          <a:prstGeom prst="straightConnector1">
+            <a:avLst/>
+          </a:prstGeom>
+          <a:ln>
+            <a:solidFill>
+              <a:srgbClr val="3465A4"/>
+            </a:solidFill>
+          </a:ln>
+        </p:spPr>
+      </p:cxnSp>
+      <p:cxnSp>
+        <p:nvCxnSpPr>
+          <p:cNvPr id="174" name="Line 25"/>
+          <p:cNvCxnSpPr>
+            <a:stCxn id="53" idx="3"/>
+            <a:endCxn id="170" idx="1"/>
+          </p:cNvCxnSpPr>
+          <p:nvPr/>
+        </p:nvCxnSpPr>
+        <p:spPr>
+          <a:xfrm flipV="1">
+            <a:off x="4368960" y="2635421"/>
+            <a:ext cx="3047856" cy="971256"/>
           </a:xfrm>
           <a:prstGeom prst="straightConnector1">
             <a:avLst/>
